--- a/Textbook/Figures/Chapter3/fig_cyl_force.pptx
+++ b/Textbook/Figures/Chapter3/fig_cyl_force.pptx
@@ -154,7 +154,7 @@
           </a:lstStyle>
           <a:p>
             <a:r>
-              <a:rPr lang="en-US" smtClean="0"/>
+              <a:rPr lang="en-US"/>
               <a:t>Click to edit Master title style</a:t>
             </a:r>
             <a:endParaRPr lang="en-US" dirty="0"/>
@@ -219,7 +219,7 @@
           </a:lstStyle>
           <a:p>
             <a:r>
-              <a:rPr lang="en-US" smtClean="0"/>
+              <a:rPr lang="en-US"/>
               <a:t>Click to edit Master subtitle style</a:t>
             </a:r>
             <a:endParaRPr lang="en-US" dirty="0"/>
@@ -243,7 +243,7 @@
           <a:p>
             <a:fld id="{A8F48D5B-9275-4A08-B238-9C7CECCD580A}" type="datetimeFigureOut">
               <a:rPr lang="en-US" smtClean="0"/>
-              <a:t>7/5/2019</a:t>
+              <a:t>10/11/2022</a:t>
             </a:fld>
             <a:endParaRPr lang="en-US"/>
           </a:p>
@@ -337,7 +337,7 @@
           <a:lstStyle/>
           <a:p>
             <a:r>
-              <a:rPr lang="en-US" smtClean="0"/>
+              <a:rPr lang="en-US"/>
               <a:t>Click to edit Master title style</a:t>
             </a:r>
             <a:endParaRPr lang="en-US" dirty="0"/>
@@ -361,35 +361,35 @@
           <a:p>
             <a:pPr lvl="0"/>
             <a:r>
-              <a:rPr lang="en-US" smtClean="0"/>
+              <a:rPr lang="en-US"/>
               <a:t>Edit Master text styles</a:t>
             </a:r>
           </a:p>
           <a:p>
             <a:pPr lvl="1"/>
             <a:r>
-              <a:rPr lang="en-US" smtClean="0"/>
+              <a:rPr lang="en-US"/>
               <a:t>Second level</a:t>
             </a:r>
           </a:p>
           <a:p>
             <a:pPr lvl="2"/>
             <a:r>
-              <a:rPr lang="en-US" smtClean="0"/>
+              <a:rPr lang="en-US"/>
               <a:t>Third level</a:t>
             </a:r>
           </a:p>
           <a:p>
             <a:pPr lvl="3"/>
             <a:r>
-              <a:rPr lang="en-US" smtClean="0"/>
+              <a:rPr lang="en-US"/>
               <a:t>Fourth level</a:t>
             </a:r>
           </a:p>
           <a:p>
             <a:pPr lvl="4"/>
             <a:r>
-              <a:rPr lang="en-US" smtClean="0"/>
+              <a:rPr lang="en-US"/>
               <a:t>Fifth level</a:t>
             </a:r>
             <a:endParaRPr lang="en-US" dirty="0"/>
@@ -413,7 +413,7 @@
           <a:p>
             <a:fld id="{A8F48D5B-9275-4A08-B238-9C7CECCD580A}" type="datetimeFigureOut">
               <a:rPr lang="en-US" smtClean="0"/>
-              <a:t>7/5/2019</a:t>
+              <a:t>10/11/2022</a:t>
             </a:fld>
             <a:endParaRPr lang="en-US"/>
           </a:p>
@@ -512,7 +512,7 @@
           <a:lstStyle/>
           <a:p>
             <a:r>
-              <a:rPr lang="en-US" smtClean="0"/>
+              <a:rPr lang="en-US"/>
               <a:t>Click to edit Master title style</a:t>
             </a:r>
             <a:endParaRPr lang="en-US" dirty="0"/>
@@ -541,35 +541,35 @@
           <a:p>
             <a:pPr lvl="0"/>
             <a:r>
-              <a:rPr lang="en-US" smtClean="0"/>
+              <a:rPr lang="en-US"/>
               <a:t>Edit Master text styles</a:t>
             </a:r>
           </a:p>
           <a:p>
             <a:pPr lvl="1"/>
             <a:r>
-              <a:rPr lang="en-US" smtClean="0"/>
+              <a:rPr lang="en-US"/>
               <a:t>Second level</a:t>
             </a:r>
           </a:p>
           <a:p>
             <a:pPr lvl="2"/>
             <a:r>
-              <a:rPr lang="en-US" smtClean="0"/>
+              <a:rPr lang="en-US"/>
               <a:t>Third level</a:t>
             </a:r>
           </a:p>
           <a:p>
             <a:pPr lvl="3"/>
             <a:r>
-              <a:rPr lang="en-US" smtClean="0"/>
+              <a:rPr lang="en-US"/>
               <a:t>Fourth level</a:t>
             </a:r>
           </a:p>
           <a:p>
             <a:pPr lvl="4"/>
             <a:r>
-              <a:rPr lang="en-US" smtClean="0"/>
+              <a:rPr lang="en-US"/>
               <a:t>Fifth level</a:t>
             </a:r>
             <a:endParaRPr lang="en-US" dirty="0"/>
@@ -593,7 +593,7 @@
           <a:p>
             <a:fld id="{A8F48D5B-9275-4A08-B238-9C7CECCD580A}" type="datetimeFigureOut">
               <a:rPr lang="en-US" smtClean="0"/>
-              <a:t>7/5/2019</a:t>
+              <a:t>10/11/2022</a:t>
             </a:fld>
             <a:endParaRPr lang="en-US"/>
           </a:p>
@@ -687,7 +687,7 @@
           <a:lstStyle/>
           <a:p>
             <a:r>
-              <a:rPr lang="en-US" smtClean="0"/>
+              <a:rPr lang="en-US"/>
               <a:t>Click to edit Master title style</a:t>
             </a:r>
             <a:endParaRPr lang="en-US" dirty="0"/>
@@ -711,35 +711,35 @@
           <a:p>
             <a:pPr lvl="0"/>
             <a:r>
-              <a:rPr lang="en-US" smtClean="0"/>
+              <a:rPr lang="en-US"/>
               <a:t>Edit Master text styles</a:t>
             </a:r>
           </a:p>
           <a:p>
             <a:pPr lvl="1"/>
             <a:r>
-              <a:rPr lang="en-US" smtClean="0"/>
+              <a:rPr lang="en-US"/>
               <a:t>Second level</a:t>
             </a:r>
           </a:p>
           <a:p>
             <a:pPr lvl="2"/>
             <a:r>
-              <a:rPr lang="en-US" smtClean="0"/>
+              <a:rPr lang="en-US"/>
               <a:t>Third level</a:t>
             </a:r>
           </a:p>
           <a:p>
             <a:pPr lvl="3"/>
             <a:r>
-              <a:rPr lang="en-US" smtClean="0"/>
+              <a:rPr lang="en-US"/>
               <a:t>Fourth level</a:t>
             </a:r>
           </a:p>
           <a:p>
             <a:pPr lvl="4"/>
             <a:r>
-              <a:rPr lang="en-US" smtClean="0"/>
+              <a:rPr lang="en-US"/>
               <a:t>Fifth level</a:t>
             </a:r>
             <a:endParaRPr lang="en-US" dirty="0"/>
@@ -763,7 +763,7 @@
           <a:p>
             <a:fld id="{A8F48D5B-9275-4A08-B238-9C7CECCD580A}" type="datetimeFigureOut">
               <a:rPr lang="en-US" smtClean="0"/>
-              <a:t>7/5/2019</a:t>
+              <a:t>10/11/2022</a:t>
             </a:fld>
             <a:endParaRPr lang="en-US"/>
           </a:p>
@@ -866,7 +866,7 @@
           </a:lstStyle>
           <a:p>
             <a:r>
-              <a:rPr lang="en-US" smtClean="0"/>
+              <a:rPr lang="en-US"/>
               <a:t>Click to edit Master title style</a:t>
             </a:r>
             <a:endParaRPr lang="en-US" dirty="0"/>
@@ -984,7 +984,7 @@
           <a:p>
             <a:pPr lvl="0"/>
             <a:r>
-              <a:rPr lang="en-US" smtClean="0"/>
+              <a:rPr lang="en-US"/>
               <a:t>Edit Master text styles</a:t>
             </a:r>
           </a:p>
@@ -1007,7 +1007,7 @@
           <a:p>
             <a:fld id="{A8F48D5B-9275-4A08-B238-9C7CECCD580A}" type="datetimeFigureOut">
               <a:rPr lang="en-US" smtClean="0"/>
-              <a:t>7/5/2019</a:t>
+              <a:t>10/11/2022</a:t>
             </a:fld>
             <a:endParaRPr lang="en-US"/>
           </a:p>
@@ -1101,7 +1101,7 @@
           <a:lstStyle/>
           <a:p>
             <a:r>
-              <a:rPr lang="en-US" smtClean="0"/>
+              <a:rPr lang="en-US"/>
               <a:t>Click to edit Master title style</a:t>
             </a:r>
             <a:endParaRPr lang="en-US" dirty="0"/>
@@ -1130,35 +1130,35 @@
           <a:p>
             <a:pPr lvl="0"/>
             <a:r>
-              <a:rPr lang="en-US" smtClean="0"/>
+              <a:rPr lang="en-US"/>
               <a:t>Edit Master text styles</a:t>
             </a:r>
           </a:p>
           <a:p>
             <a:pPr lvl="1"/>
             <a:r>
-              <a:rPr lang="en-US" smtClean="0"/>
+              <a:rPr lang="en-US"/>
               <a:t>Second level</a:t>
             </a:r>
           </a:p>
           <a:p>
             <a:pPr lvl="2"/>
             <a:r>
-              <a:rPr lang="en-US" smtClean="0"/>
+              <a:rPr lang="en-US"/>
               <a:t>Third level</a:t>
             </a:r>
           </a:p>
           <a:p>
             <a:pPr lvl="3"/>
             <a:r>
-              <a:rPr lang="en-US" smtClean="0"/>
+              <a:rPr lang="en-US"/>
               <a:t>Fourth level</a:t>
             </a:r>
           </a:p>
           <a:p>
             <a:pPr lvl="4"/>
             <a:r>
-              <a:rPr lang="en-US" smtClean="0"/>
+              <a:rPr lang="en-US"/>
               <a:t>Fifth level</a:t>
             </a:r>
             <a:endParaRPr lang="en-US" dirty="0"/>
@@ -1187,35 +1187,35 @@
           <a:p>
             <a:pPr lvl="0"/>
             <a:r>
-              <a:rPr lang="en-US" smtClean="0"/>
+              <a:rPr lang="en-US"/>
               <a:t>Edit Master text styles</a:t>
             </a:r>
           </a:p>
           <a:p>
             <a:pPr lvl="1"/>
             <a:r>
-              <a:rPr lang="en-US" smtClean="0"/>
+              <a:rPr lang="en-US"/>
               <a:t>Second level</a:t>
             </a:r>
           </a:p>
           <a:p>
             <a:pPr lvl="2"/>
             <a:r>
-              <a:rPr lang="en-US" smtClean="0"/>
+              <a:rPr lang="en-US"/>
               <a:t>Third level</a:t>
             </a:r>
           </a:p>
           <a:p>
             <a:pPr lvl="3"/>
             <a:r>
-              <a:rPr lang="en-US" smtClean="0"/>
+              <a:rPr lang="en-US"/>
               <a:t>Fourth level</a:t>
             </a:r>
           </a:p>
           <a:p>
             <a:pPr lvl="4"/>
             <a:r>
-              <a:rPr lang="en-US" smtClean="0"/>
+              <a:rPr lang="en-US"/>
               <a:t>Fifth level</a:t>
             </a:r>
             <a:endParaRPr lang="en-US" dirty="0"/>
@@ -1239,7 +1239,7 @@
           <a:p>
             <a:fld id="{A8F48D5B-9275-4A08-B238-9C7CECCD580A}" type="datetimeFigureOut">
               <a:rPr lang="en-US" smtClean="0"/>
-              <a:t>7/5/2019</a:t>
+              <a:t>10/11/2022</a:t>
             </a:fld>
             <a:endParaRPr lang="en-US"/>
           </a:p>
@@ -1338,7 +1338,7 @@
           <a:lstStyle/>
           <a:p>
             <a:r>
-              <a:rPr lang="en-US" smtClean="0"/>
+              <a:rPr lang="en-US"/>
               <a:t>Click to edit Master title style</a:t>
             </a:r>
             <a:endParaRPr lang="en-US" dirty="0"/>
@@ -1404,7 +1404,7 @@
           <a:p>
             <a:pPr lvl="0"/>
             <a:r>
-              <a:rPr lang="en-US" smtClean="0"/>
+              <a:rPr lang="en-US"/>
               <a:t>Edit Master text styles</a:t>
             </a:r>
           </a:p>
@@ -1432,35 +1432,35 @@
           <a:p>
             <a:pPr lvl="0"/>
             <a:r>
-              <a:rPr lang="en-US" smtClean="0"/>
+              <a:rPr lang="en-US"/>
               <a:t>Edit Master text styles</a:t>
             </a:r>
           </a:p>
           <a:p>
             <a:pPr lvl="1"/>
             <a:r>
-              <a:rPr lang="en-US" smtClean="0"/>
+              <a:rPr lang="en-US"/>
               <a:t>Second level</a:t>
             </a:r>
           </a:p>
           <a:p>
             <a:pPr lvl="2"/>
             <a:r>
-              <a:rPr lang="en-US" smtClean="0"/>
+              <a:rPr lang="en-US"/>
               <a:t>Third level</a:t>
             </a:r>
           </a:p>
           <a:p>
             <a:pPr lvl="3"/>
             <a:r>
-              <a:rPr lang="en-US" smtClean="0"/>
+              <a:rPr lang="en-US"/>
               <a:t>Fourth level</a:t>
             </a:r>
           </a:p>
           <a:p>
             <a:pPr lvl="4"/>
             <a:r>
-              <a:rPr lang="en-US" smtClean="0"/>
+              <a:rPr lang="en-US"/>
               <a:t>Fifth level</a:t>
             </a:r>
             <a:endParaRPr lang="en-US" dirty="0"/>
@@ -1526,7 +1526,7 @@
           <a:p>
             <a:pPr lvl="0"/>
             <a:r>
-              <a:rPr lang="en-US" smtClean="0"/>
+              <a:rPr lang="en-US"/>
               <a:t>Edit Master text styles</a:t>
             </a:r>
           </a:p>
@@ -1554,35 +1554,35 @@
           <a:p>
             <a:pPr lvl="0"/>
             <a:r>
-              <a:rPr lang="en-US" smtClean="0"/>
+              <a:rPr lang="en-US"/>
               <a:t>Edit Master text styles</a:t>
             </a:r>
           </a:p>
           <a:p>
             <a:pPr lvl="1"/>
             <a:r>
-              <a:rPr lang="en-US" smtClean="0"/>
+              <a:rPr lang="en-US"/>
               <a:t>Second level</a:t>
             </a:r>
           </a:p>
           <a:p>
             <a:pPr lvl="2"/>
             <a:r>
-              <a:rPr lang="en-US" smtClean="0"/>
+              <a:rPr lang="en-US"/>
               <a:t>Third level</a:t>
             </a:r>
           </a:p>
           <a:p>
             <a:pPr lvl="3"/>
             <a:r>
-              <a:rPr lang="en-US" smtClean="0"/>
+              <a:rPr lang="en-US"/>
               <a:t>Fourth level</a:t>
             </a:r>
           </a:p>
           <a:p>
             <a:pPr lvl="4"/>
             <a:r>
-              <a:rPr lang="en-US" smtClean="0"/>
+              <a:rPr lang="en-US"/>
               <a:t>Fifth level</a:t>
             </a:r>
             <a:endParaRPr lang="en-US" dirty="0"/>
@@ -1606,7 +1606,7 @@
           <a:p>
             <a:fld id="{A8F48D5B-9275-4A08-B238-9C7CECCD580A}" type="datetimeFigureOut">
               <a:rPr lang="en-US" smtClean="0"/>
-              <a:t>7/5/2019</a:t>
+              <a:t>10/11/2022</a:t>
             </a:fld>
             <a:endParaRPr lang="en-US"/>
           </a:p>
@@ -1700,7 +1700,7 @@
           <a:lstStyle/>
           <a:p>
             <a:r>
-              <a:rPr lang="en-US" smtClean="0"/>
+              <a:rPr lang="en-US"/>
               <a:t>Click to edit Master title style</a:t>
             </a:r>
             <a:endParaRPr lang="en-US" dirty="0"/>
@@ -1724,7 +1724,7 @@
           <a:p>
             <a:fld id="{A8F48D5B-9275-4A08-B238-9C7CECCD580A}" type="datetimeFigureOut">
               <a:rPr lang="en-US" smtClean="0"/>
-              <a:t>7/5/2019</a:t>
+              <a:t>10/11/2022</a:t>
             </a:fld>
             <a:endParaRPr lang="en-US"/>
           </a:p>
@@ -1819,7 +1819,7 @@
           <a:p>
             <a:fld id="{A8F48D5B-9275-4A08-B238-9C7CECCD580A}" type="datetimeFigureOut">
               <a:rPr lang="en-US" smtClean="0"/>
-              <a:t>7/5/2019</a:t>
+              <a:t>10/11/2022</a:t>
             </a:fld>
             <a:endParaRPr lang="en-US"/>
           </a:p>
@@ -1922,7 +1922,7 @@
           </a:lstStyle>
           <a:p>
             <a:r>
-              <a:rPr lang="en-US" smtClean="0"/>
+              <a:rPr lang="en-US"/>
               <a:t>Click to edit Master title style</a:t>
             </a:r>
             <a:endParaRPr lang="en-US" dirty="0"/>
@@ -1979,35 +1979,35 @@
           <a:p>
             <a:pPr lvl="0"/>
             <a:r>
-              <a:rPr lang="en-US" smtClean="0"/>
+              <a:rPr lang="en-US"/>
               <a:t>Edit Master text styles</a:t>
             </a:r>
           </a:p>
           <a:p>
             <a:pPr lvl="1"/>
             <a:r>
-              <a:rPr lang="en-US" smtClean="0"/>
+              <a:rPr lang="en-US"/>
               <a:t>Second level</a:t>
             </a:r>
           </a:p>
           <a:p>
             <a:pPr lvl="2"/>
             <a:r>
-              <a:rPr lang="en-US" smtClean="0"/>
+              <a:rPr lang="en-US"/>
               <a:t>Third level</a:t>
             </a:r>
           </a:p>
           <a:p>
             <a:pPr lvl="3"/>
             <a:r>
-              <a:rPr lang="en-US" smtClean="0"/>
+              <a:rPr lang="en-US"/>
               <a:t>Fourth level</a:t>
             </a:r>
           </a:p>
           <a:p>
             <a:pPr lvl="4"/>
             <a:r>
-              <a:rPr lang="en-US" smtClean="0"/>
+              <a:rPr lang="en-US"/>
               <a:t>Fifth level</a:t>
             </a:r>
             <a:endParaRPr lang="en-US" dirty="0"/>
@@ -2073,7 +2073,7 @@
           <a:p>
             <a:pPr lvl="0"/>
             <a:r>
-              <a:rPr lang="en-US" smtClean="0"/>
+              <a:rPr lang="en-US"/>
               <a:t>Edit Master text styles</a:t>
             </a:r>
           </a:p>
@@ -2096,7 +2096,7 @@
           <a:p>
             <a:fld id="{A8F48D5B-9275-4A08-B238-9C7CECCD580A}" type="datetimeFigureOut">
               <a:rPr lang="en-US" smtClean="0"/>
-              <a:t>7/5/2019</a:t>
+              <a:t>10/11/2022</a:t>
             </a:fld>
             <a:endParaRPr lang="en-US"/>
           </a:p>
@@ -2199,7 +2199,7 @@
           </a:lstStyle>
           <a:p>
             <a:r>
-              <a:rPr lang="en-US" smtClean="0"/>
+              <a:rPr lang="en-US"/>
               <a:t>Click to edit Master title style</a:t>
             </a:r>
             <a:endParaRPr lang="en-US" dirty="0"/>
@@ -2264,7 +2264,7 @@
           </a:lstStyle>
           <a:p>
             <a:r>
-              <a:rPr lang="en-US" smtClean="0"/>
+              <a:rPr lang="en-US"/>
               <a:t>Click icon to add picture</a:t>
             </a:r>
             <a:endParaRPr lang="en-US" dirty="0"/>
@@ -2330,7 +2330,7 @@
           <a:p>
             <a:pPr lvl="0"/>
             <a:r>
-              <a:rPr lang="en-US" smtClean="0"/>
+              <a:rPr lang="en-US"/>
               <a:t>Edit Master text styles</a:t>
             </a:r>
           </a:p>
@@ -2353,7 +2353,7 @@
           <a:p>
             <a:fld id="{A8F48D5B-9275-4A08-B238-9C7CECCD580A}" type="datetimeFigureOut">
               <a:rPr lang="en-US" smtClean="0"/>
-              <a:t>7/5/2019</a:t>
+              <a:t>10/11/2022</a:t>
             </a:fld>
             <a:endParaRPr lang="en-US"/>
           </a:p>
@@ -2462,7 +2462,7 @@
           <a:lstStyle/>
           <a:p>
             <a:r>
-              <a:rPr lang="en-US" smtClean="0"/>
+              <a:rPr lang="en-US"/>
               <a:t>Click to edit Master title style</a:t>
             </a:r>
             <a:endParaRPr lang="en-US" dirty="0"/>
@@ -2496,35 +2496,35 @@
           <a:p>
             <a:pPr lvl="0"/>
             <a:r>
-              <a:rPr lang="en-US" smtClean="0"/>
+              <a:rPr lang="en-US"/>
               <a:t>Edit Master text styles</a:t>
             </a:r>
           </a:p>
           <a:p>
             <a:pPr lvl="1"/>
             <a:r>
-              <a:rPr lang="en-US" smtClean="0"/>
+              <a:rPr lang="en-US"/>
               <a:t>Second level</a:t>
             </a:r>
           </a:p>
           <a:p>
             <a:pPr lvl="2"/>
             <a:r>
-              <a:rPr lang="en-US" smtClean="0"/>
+              <a:rPr lang="en-US"/>
               <a:t>Third level</a:t>
             </a:r>
           </a:p>
           <a:p>
             <a:pPr lvl="3"/>
             <a:r>
-              <a:rPr lang="en-US" smtClean="0"/>
+              <a:rPr lang="en-US"/>
               <a:t>Fourth level</a:t>
             </a:r>
           </a:p>
           <a:p>
             <a:pPr lvl="4"/>
             <a:r>
-              <a:rPr lang="en-US" smtClean="0"/>
+              <a:rPr lang="en-US"/>
               <a:t>Fifth level</a:t>
             </a:r>
             <a:endParaRPr lang="en-US" dirty="0"/>
@@ -2566,7 +2566,7 @@
           <a:p>
             <a:fld id="{A8F48D5B-9275-4A08-B238-9C7CECCD580A}" type="datetimeFigureOut">
               <a:rPr lang="en-US" smtClean="0"/>
-              <a:t>7/5/2019</a:t>
+              <a:t>10/11/2022</a:t>
             </a:fld>
             <a:endParaRPr lang="en-US"/>
           </a:p>
@@ -3289,8 +3289,8 @@
         </p:nvSpPr>
         <p:spPr>
           <a:xfrm>
-            <a:off x="1769593" y="1787967"/>
-            <a:ext cx="287258" cy="369332"/>
+            <a:off x="1745458" y="1760805"/>
+            <a:ext cx="338555" cy="369332"/>
           </a:xfrm>
           <a:prstGeom prst="rect">
             <a:avLst/>
@@ -3305,12 +3305,12 @@
           <a:p>
             <a:pPr algn="r"/>
             <a:r>
-              <a:rPr lang="el-GR" i="1" dirty="0" smtClean="0">
+              <a:rPr lang="el-GR" i="1" dirty="0">
                 <a:latin typeface="Linux Libertine" panose="02000503000000000000" pitchFamily="2" charset="0"/>
                 <a:ea typeface="Linux Libertine" panose="02000503000000000000" pitchFamily="2" charset="0"/>
                 <a:cs typeface="Linux Libertine" panose="02000503000000000000" pitchFamily="2" charset="0"/>
               </a:rPr>
-              <a:t>θ</a:t>
+              <a:t>ϕ</a:t>
             </a:r>
             <a:endParaRPr lang="en-US" sz="4001" i="1" dirty="0">
               <a:latin typeface="Linux Libertine" panose="02000503000000000000" pitchFamily="2" charset="0"/>
@@ -3328,8 +3328,8 @@
         </p:nvSpPr>
         <p:spPr>
           <a:xfrm>
-            <a:off x="2247441" y="1674499"/>
-            <a:ext cx="413896" cy="369332"/>
+            <a:off x="2247828" y="1688080"/>
+            <a:ext cx="458779" cy="369332"/>
           </a:xfrm>
           <a:prstGeom prst="rect">
             <a:avLst/>
@@ -3344,7 +3344,7 @@
           <a:p>
             <a:pPr algn="r"/>
             <a:r>
-              <a:rPr lang="en-US" i="1" dirty="0" smtClean="0">
+              <a:rPr lang="en-US" i="1" dirty="0">
                 <a:latin typeface="Linux Libertine" panose="02000503000000000000" pitchFamily="2" charset="0"/>
                 <a:ea typeface="Linux Libertine" panose="02000503000000000000" pitchFamily="2" charset="0"/>
                 <a:cs typeface="Linux Libertine" panose="02000503000000000000" pitchFamily="2" charset="0"/>
@@ -3352,12 +3352,12 @@
               <a:t>d</a:t>
             </a:r>
             <a:r>
-              <a:rPr lang="el-GR" i="1" dirty="0" smtClean="0">
+              <a:rPr lang="el-GR" i="1" dirty="0">
                 <a:latin typeface="Linux Libertine" panose="02000503000000000000" pitchFamily="2" charset="0"/>
                 <a:ea typeface="Linux Libertine" panose="02000503000000000000" pitchFamily="2" charset="0"/>
                 <a:cs typeface="Linux Libertine" panose="02000503000000000000" pitchFamily="2" charset="0"/>
               </a:rPr>
-              <a:t>θ</a:t>
+              <a:t>ϕ</a:t>
             </a:r>
             <a:endParaRPr lang="en-US" sz="4001" i="1" dirty="0">
               <a:latin typeface="Linux Libertine" panose="02000503000000000000" pitchFamily="2" charset="0"/>
@@ -3596,7 +3596,7 @@
           <a:p>
             <a:pPr algn="r"/>
             <a:r>
-              <a:rPr lang="en-US" i="1" dirty="0" err="1" smtClean="0">
+              <a:rPr lang="en-US" i="1" dirty="0" err="1">
                 <a:latin typeface="Linux Libertine" panose="02000503000000000000" pitchFamily="2" charset="0"/>
                 <a:ea typeface="Linux Libertine" panose="02000503000000000000" pitchFamily="2" charset="0"/>
                 <a:cs typeface="Linux Libertine" panose="02000503000000000000" pitchFamily="2" charset="0"/>
@@ -3604,7 +3604,7 @@
               <a:t>d</a:t>
             </a:r>
             <a:r>
-              <a:rPr lang="en-US" b="1" dirty="0" err="1" smtClean="0">
+              <a:rPr lang="en-US" b="1" dirty="0" err="1">
                 <a:latin typeface="Linux Libertine" panose="02000503000000000000" pitchFamily="2" charset="0"/>
                 <a:ea typeface="Linux Libertine" panose="02000503000000000000" pitchFamily="2" charset="0"/>
                 <a:cs typeface="Linux Libertine" panose="02000503000000000000" pitchFamily="2" charset="0"/>
@@ -3777,7 +3777,7 @@
             <a:lstStyle/>
             <a:p>
               <a:r>
-                <a:rPr lang="en-US" i="1" dirty="0" smtClean="0">
+                <a:rPr lang="en-US" i="1" dirty="0">
                   <a:latin typeface="Linux Libertine" panose="02000503000000000000" pitchFamily="2" charset="0"/>
                   <a:ea typeface="Linux Libertine" panose="02000503000000000000" pitchFamily="2" charset="0"/>
                   <a:cs typeface="Linux Libertine" panose="02000503000000000000" pitchFamily="2" charset="0"/>
@@ -3815,7 +3815,7 @@
             <a:lstStyle/>
             <a:p>
               <a:r>
-                <a:rPr lang="en-US" i="1" dirty="0" smtClean="0">
+                <a:rPr lang="en-US" i="1" dirty="0">
                   <a:latin typeface="Linux Libertine" panose="02000503000000000000" pitchFamily="2" charset="0"/>
                   <a:ea typeface="Linux Libertine" panose="02000503000000000000" pitchFamily="2" charset="0"/>
                   <a:cs typeface="Linux Libertine" panose="02000503000000000000" pitchFamily="2" charset="0"/>
@@ -3913,13 +3913,6 @@
   <p:clrMapOvr>
     <a:masterClrMapping/>
   </p:clrMapOvr>
-  <p:timing>
-    <p:tnLst>
-      <p:par>
-        <p:cTn id="1" dur="indefinite" restart="never" nodeType="tmRoot"/>
-      </p:par>
-    </p:tnLst>
-  </p:timing>
 </p:sld>
 </file>
 
